--- a/other/Magic Kingdom_Presentation.pptx
+++ b/other/Magic Kingdom_Presentation.pptx
@@ -122,7 +122,27 @@
       </a:defRPr>
     </a:lvl9pPr>
   </p:defaultTextStyle>
+  <p:extLst>
+    <p:ext uri="{EFAFB233-063F-42B5-8137-9DF3F51BA10A}">
+      <p15:sldGuideLst xmlns:p15="http://schemas.microsoft.com/office/powerpoint/2012/main">
+        <p15:guide id="1" orient="horz" pos="2160">
+          <p15:clr>
+            <a:srgbClr val="A4A3A4"/>
+          </p15:clr>
+        </p15:guide>
+        <p15:guide id="2" pos="2880">
+          <p15:clr>
+            <a:srgbClr val="A4A3A4"/>
+          </p15:clr>
+        </p15:guide>
+      </p15:sldGuideLst>
+    </p:ext>
+  </p:extLst>
 </p:presentation>
+</file>
+
+<file path=ppt/revisionInfo.xml><?xml version="1.0" encoding="utf-8"?>
+<p1510:revInfo xmlns:a="http://schemas.openxmlformats.org/drawingml/2006/main" xmlns:r="http://schemas.openxmlformats.org/officeDocument/2006/relationships" xmlns:p1510="http://schemas.microsoft.com/office/powerpoint/2015/10/main"/>
 </file>
 
 <file path=ppt/slideLayouts/slideLayout1.xml><?xml version="1.0" encoding="utf-8"?>
@@ -314,10 +334,9 @@
           </a:lstStyle>
           <a:p>
             <a:r>
-              <a:rPr kumimoji="0" lang="en-US" smtClean="0"/>
+              <a:rPr kumimoji="0" lang="en-US"/>
               <a:t>Click to edit Master title style</a:t>
             </a:r>
-            <a:endParaRPr kumimoji="0" lang="en-US"/>
           </a:p>
         </p:txBody>
       </p:sp>
@@ -377,10 +396,9 @@
           </a:lstStyle>
           <a:p>
             <a:r>
-              <a:rPr kumimoji="0" lang="en-US" smtClean="0"/>
+              <a:rPr kumimoji="0" lang="en-US"/>
               <a:t>Click to edit Master subtitle style</a:t>
             </a:r>
-            <a:endParaRPr kumimoji="0" lang="en-US"/>
           </a:p>
         </p:txBody>
       </p:sp>
@@ -533,10 +551,9 @@
           <a:lstStyle/>
           <a:p>
             <a:r>
-              <a:rPr kumimoji="0" lang="en-US" smtClean="0"/>
+              <a:rPr kumimoji="0" lang="en-US"/>
               <a:t>Click to edit Master title style</a:t>
             </a:r>
-            <a:endParaRPr kumimoji="0" lang="en-US"/>
           </a:p>
         </p:txBody>
       </p:sp>
@@ -557,35 +574,35 @@
           <a:p>
             <a:pPr lvl="0" eaLnBrk="1" latinLnBrk="0" hangingPunct="1"/>
             <a:r>
-              <a:rPr lang="en-US" smtClean="0"/>
+              <a:rPr lang="en-US"/>
               <a:t>Click to edit Master text styles</a:t>
             </a:r>
           </a:p>
           <a:p>
             <a:pPr lvl="1" eaLnBrk="1" latinLnBrk="0" hangingPunct="1"/>
             <a:r>
-              <a:rPr lang="en-US" smtClean="0"/>
+              <a:rPr lang="en-US"/>
               <a:t>Second level</a:t>
             </a:r>
           </a:p>
           <a:p>
             <a:pPr lvl="2" eaLnBrk="1" latinLnBrk="0" hangingPunct="1"/>
             <a:r>
-              <a:rPr lang="en-US" smtClean="0"/>
+              <a:rPr lang="en-US"/>
               <a:t>Third level</a:t>
             </a:r>
           </a:p>
           <a:p>
             <a:pPr lvl="3" eaLnBrk="1" latinLnBrk="0" hangingPunct="1"/>
             <a:r>
-              <a:rPr lang="en-US" smtClean="0"/>
+              <a:rPr lang="en-US"/>
               <a:t>Fourth level</a:t>
             </a:r>
           </a:p>
           <a:p>
             <a:pPr lvl="4" eaLnBrk="1" latinLnBrk="0" hangingPunct="1"/>
             <a:r>
-              <a:rPr lang="en-US" smtClean="0"/>
+              <a:rPr lang="en-US"/>
               <a:t>Fifth level</a:t>
             </a:r>
             <a:endParaRPr kumimoji="0" lang="en-US"/>
@@ -710,10 +727,9 @@
           <a:lstStyle/>
           <a:p>
             <a:r>
-              <a:rPr kumimoji="0" lang="en-US" smtClean="0"/>
+              <a:rPr kumimoji="0" lang="en-US"/>
               <a:t>Click to edit Master title style</a:t>
             </a:r>
-            <a:endParaRPr kumimoji="0" lang="en-US"/>
           </a:p>
         </p:txBody>
       </p:sp>
@@ -739,35 +755,35 @@
           <a:p>
             <a:pPr lvl="0" eaLnBrk="1" latinLnBrk="0" hangingPunct="1"/>
             <a:r>
-              <a:rPr lang="en-US" smtClean="0"/>
+              <a:rPr lang="en-US"/>
               <a:t>Click to edit Master text styles</a:t>
             </a:r>
           </a:p>
           <a:p>
             <a:pPr lvl="1" eaLnBrk="1" latinLnBrk="0" hangingPunct="1"/>
             <a:r>
-              <a:rPr lang="en-US" smtClean="0"/>
+              <a:rPr lang="en-US"/>
               <a:t>Second level</a:t>
             </a:r>
           </a:p>
           <a:p>
             <a:pPr lvl="2" eaLnBrk="1" latinLnBrk="0" hangingPunct="1"/>
             <a:r>
-              <a:rPr lang="en-US" smtClean="0"/>
+              <a:rPr lang="en-US"/>
               <a:t>Third level</a:t>
             </a:r>
           </a:p>
           <a:p>
             <a:pPr lvl="3" eaLnBrk="1" latinLnBrk="0" hangingPunct="1"/>
             <a:r>
-              <a:rPr lang="en-US" smtClean="0"/>
+              <a:rPr lang="en-US"/>
               <a:t>Fourth level</a:t>
             </a:r>
           </a:p>
           <a:p>
             <a:pPr lvl="4" eaLnBrk="1" latinLnBrk="0" hangingPunct="1"/>
             <a:r>
-              <a:rPr lang="en-US" smtClean="0"/>
+              <a:rPr lang="en-US"/>
               <a:t>Fifth level</a:t>
             </a:r>
             <a:endParaRPr kumimoji="0" lang="en-US"/>
@@ -1037,10 +1053,9 @@
           <a:lstStyle/>
           <a:p>
             <a:r>
-              <a:rPr kumimoji="0" lang="en-US" smtClean="0"/>
+              <a:rPr kumimoji="0" lang="en-US"/>
               <a:t>Click to edit Master title style</a:t>
             </a:r>
-            <a:endParaRPr kumimoji="0" lang="en-US"/>
           </a:p>
         </p:txBody>
       </p:sp>
@@ -1141,35 +1156,35 @@
           <a:p>
             <a:pPr lvl="0" eaLnBrk="1" latinLnBrk="0" hangingPunct="1"/>
             <a:r>
-              <a:rPr lang="en-US" smtClean="0"/>
+              <a:rPr lang="en-US"/>
               <a:t>Click to edit Master text styles</a:t>
             </a:r>
           </a:p>
           <a:p>
             <a:pPr lvl="1" eaLnBrk="1" latinLnBrk="0" hangingPunct="1"/>
             <a:r>
-              <a:rPr lang="en-US" smtClean="0"/>
+              <a:rPr lang="en-US"/>
               <a:t>Second level</a:t>
             </a:r>
           </a:p>
           <a:p>
             <a:pPr lvl="2" eaLnBrk="1" latinLnBrk="0" hangingPunct="1"/>
             <a:r>
-              <a:rPr lang="en-US" smtClean="0"/>
+              <a:rPr lang="en-US"/>
               <a:t>Third level</a:t>
             </a:r>
           </a:p>
           <a:p>
             <a:pPr lvl="3" eaLnBrk="1" latinLnBrk="0" hangingPunct="1"/>
             <a:r>
-              <a:rPr lang="en-US" smtClean="0"/>
+              <a:rPr lang="en-US"/>
               <a:t>Fourth level</a:t>
             </a:r>
           </a:p>
           <a:p>
             <a:pPr lvl="4" eaLnBrk="1" latinLnBrk="0" hangingPunct="1"/>
             <a:r>
-              <a:rPr lang="en-US" smtClean="0"/>
+              <a:rPr lang="en-US"/>
               <a:t>Fifth level</a:t>
             </a:r>
             <a:endParaRPr kumimoji="0" lang="en-US"/>
@@ -1277,7 +1292,7 @@
           <a:p>
             <a:pPr lvl="0" eaLnBrk="1" latinLnBrk="0" hangingPunct="1"/>
             <a:r>
-              <a:rPr kumimoji="0" lang="en-US" smtClean="0"/>
+              <a:rPr kumimoji="0" lang="en-US"/>
               <a:t>Click to edit Master text styles</a:t>
             </a:r>
           </a:p>
@@ -1455,10 +1470,9 @@
           </a:lstStyle>
           <a:p>
             <a:r>
-              <a:rPr kumimoji="0" lang="en-US" smtClean="0"/>
+              <a:rPr kumimoji="0" lang="en-US"/>
               <a:t>Click to edit Master title style</a:t>
             </a:r>
-            <a:endParaRPr kumimoji="0" lang="en-US"/>
           </a:p>
         </p:txBody>
       </p:sp>
@@ -1585,10 +1599,9 @@
           <a:lstStyle/>
           <a:p>
             <a:r>
-              <a:rPr kumimoji="0" lang="en-US" smtClean="0"/>
+              <a:rPr kumimoji="0" lang="en-US"/>
               <a:t>Click to edit Master title style</a:t>
             </a:r>
-            <a:endParaRPr kumimoji="0" lang="en-US"/>
           </a:p>
         </p:txBody>
       </p:sp>
@@ -1614,35 +1627,35 @@
           <a:p>
             <a:pPr lvl="0" eaLnBrk="1" latinLnBrk="0" hangingPunct="1"/>
             <a:r>
-              <a:rPr lang="en-US" smtClean="0"/>
+              <a:rPr lang="en-US"/>
               <a:t>Click to edit Master text styles</a:t>
             </a:r>
           </a:p>
           <a:p>
             <a:pPr lvl="1" eaLnBrk="1" latinLnBrk="0" hangingPunct="1"/>
             <a:r>
-              <a:rPr lang="en-US" smtClean="0"/>
+              <a:rPr lang="en-US"/>
               <a:t>Second level</a:t>
             </a:r>
           </a:p>
           <a:p>
             <a:pPr lvl="2" eaLnBrk="1" latinLnBrk="0" hangingPunct="1"/>
             <a:r>
-              <a:rPr lang="en-US" smtClean="0"/>
+              <a:rPr lang="en-US"/>
               <a:t>Third level</a:t>
             </a:r>
           </a:p>
           <a:p>
             <a:pPr lvl="3" eaLnBrk="1" latinLnBrk="0" hangingPunct="1"/>
             <a:r>
-              <a:rPr lang="en-US" smtClean="0"/>
+              <a:rPr lang="en-US"/>
               <a:t>Fourth level</a:t>
             </a:r>
           </a:p>
           <a:p>
             <a:pPr lvl="4" eaLnBrk="1" latinLnBrk="0" hangingPunct="1"/>
             <a:r>
-              <a:rPr lang="en-US" smtClean="0"/>
+              <a:rPr lang="en-US"/>
               <a:t>Fifth level</a:t>
             </a:r>
             <a:endParaRPr kumimoji="0" lang="en-US"/>
@@ -1671,35 +1684,35 @@
           <a:p>
             <a:pPr lvl="0" eaLnBrk="1" latinLnBrk="0" hangingPunct="1"/>
             <a:r>
-              <a:rPr lang="en-US" smtClean="0"/>
+              <a:rPr lang="en-US"/>
               <a:t>Click to edit Master text styles</a:t>
             </a:r>
           </a:p>
           <a:p>
             <a:pPr lvl="1" eaLnBrk="1" latinLnBrk="0" hangingPunct="1"/>
             <a:r>
-              <a:rPr lang="en-US" smtClean="0"/>
+              <a:rPr lang="en-US"/>
               <a:t>Second level</a:t>
             </a:r>
           </a:p>
           <a:p>
             <a:pPr lvl="2" eaLnBrk="1" latinLnBrk="0" hangingPunct="1"/>
             <a:r>
-              <a:rPr lang="en-US" smtClean="0"/>
+              <a:rPr lang="en-US"/>
               <a:t>Third level</a:t>
             </a:r>
           </a:p>
           <a:p>
             <a:pPr lvl="3" eaLnBrk="1" latinLnBrk="0" hangingPunct="1"/>
             <a:r>
-              <a:rPr lang="en-US" smtClean="0"/>
+              <a:rPr lang="en-US"/>
               <a:t>Fourth level</a:t>
             </a:r>
           </a:p>
           <a:p>
             <a:pPr lvl="4" eaLnBrk="1" latinLnBrk="0" hangingPunct="1"/>
             <a:r>
-              <a:rPr lang="en-US" smtClean="0"/>
+              <a:rPr lang="en-US"/>
               <a:t>Fifth level</a:t>
             </a:r>
             <a:endParaRPr kumimoji="0" lang="en-US"/>
@@ -1823,10 +1836,9 @@
           </a:lstStyle>
           <a:p>
             <a:r>
-              <a:rPr kumimoji="0" lang="en-US" smtClean="0"/>
+              <a:rPr kumimoji="0" lang="en-US"/>
               <a:t>Click to edit Master title style</a:t>
             </a:r>
-            <a:endParaRPr kumimoji="0" lang="en-US"/>
           </a:p>
         </p:txBody>
       </p:sp>
@@ -1852,35 +1864,35 @@
           <a:p>
             <a:pPr lvl="0" eaLnBrk="1" latinLnBrk="0" hangingPunct="1"/>
             <a:r>
-              <a:rPr lang="en-US" smtClean="0"/>
+              <a:rPr lang="en-US"/>
               <a:t>Click to edit Master text styles</a:t>
             </a:r>
           </a:p>
           <a:p>
             <a:pPr lvl="1" eaLnBrk="1" latinLnBrk="0" hangingPunct="1"/>
             <a:r>
-              <a:rPr lang="en-US" smtClean="0"/>
+              <a:rPr lang="en-US"/>
               <a:t>Second level</a:t>
             </a:r>
           </a:p>
           <a:p>
             <a:pPr lvl="2" eaLnBrk="1" latinLnBrk="0" hangingPunct="1"/>
             <a:r>
-              <a:rPr lang="en-US" smtClean="0"/>
+              <a:rPr lang="en-US"/>
               <a:t>Third level</a:t>
             </a:r>
           </a:p>
           <a:p>
             <a:pPr lvl="3" eaLnBrk="1" latinLnBrk="0" hangingPunct="1"/>
             <a:r>
-              <a:rPr lang="en-US" smtClean="0"/>
+              <a:rPr lang="en-US"/>
               <a:t>Fourth level</a:t>
             </a:r>
           </a:p>
           <a:p>
             <a:pPr lvl="4" eaLnBrk="1" latinLnBrk="0" hangingPunct="1"/>
             <a:r>
-              <a:rPr lang="en-US" smtClean="0"/>
+              <a:rPr lang="en-US"/>
               <a:t>Fifth level</a:t>
             </a:r>
             <a:endParaRPr kumimoji="0" lang="en-US"/>
@@ -1909,35 +1921,35 @@
           <a:p>
             <a:pPr lvl="0" eaLnBrk="1" latinLnBrk="0" hangingPunct="1"/>
             <a:r>
-              <a:rPr lang="en-US" smtClean="0"/>
+              <a:rPr lang="en-US"/>
               <a:t>Click to edit Master text styles</a:t>
             </a:r>
           </a:p>
           <a:p>
             <a:pPr lvl="1" eaLnBrk="1" latinLnBrk="0" hangingPunct="1"/>
             <a:r>
-              <a:rPr lang="en-US" smtClean="0"/>
+              <a:rPr lang="en-US"/>
               <a:t>Second level</a:t>
             </a:r>
           </a:p>
           <a:p>
             <a:pPr lvl="2" eaLnBrk="1" latinLnBrk="0" hangingPunct="1"/>
             <a:r>
-              <a:rPr lang="en-US" smtClean="0"/>
+              <a:rPr lang="en-US"/>
               <a:t>Third level</a:t>
             </a:r>
           </a:p>
           <a:p>
             <a:pPr lvl="3" eaLnBrk="1" latinLnBrk="0" hangingPunct="1"/>
             <a:r>
-              <a:rPr lang="en-US" smtClean="0"/>
+              <a:rPr lang="en-US"/>
               <a:t>Fourth level</a:t>
             </a:r>
           </a:p>
           <a:p>
             <a:pPr lvl="4" eaLnBrk="1" latinLnBrk="0" hangingPunct="1"/>
             <a:r>
-              <a:rPr lang="en-US" smtClean="0"/>
+              <a:rPr lang="en-US"/>
               <a:t>Fifth level</a:t>
             </a:r>
             <a:endParaRPr kumimoji="0" lang="en-US"/>
@@ -2046,7 +2058,7 @@
           <a:p>
             <a:pPr lvl="0" eaLnBrk="1" latinLnBrk="0" hangingPunct="1"/>
             <a:r>
-              <a:rPr kumimoji="0" lang="en-US" smtClean="0"/>
+              <a:rPr kumimoji="0" lang="en-US"/>
               <a:t>Click to edit Master text styles</a:t>
             </a:r>
           </a:p>
@@ -2087,7 +2099,7 @@
           <a:p>
             <a:pPr lvl="0" eaLnBrk="1" latinLnBrk="0" hangingPunct="1"/>
             <a:r>
-              <a:rPr kumimoji="0" lang="en-US" smtClean="0"/>
+              <a:rPr kumimoji="0" lang="en-US"/>
               <a:t>Click to edit Master text styles</a:t>
             </a:r>
           </a:p>
@@ -2134,10 +2146,9 @@
           <a:lstStyle/>
           <a:p>
             <a:r>
-              <a:rPr kumimoji="0" lang="en-US" smtClean="0"/>
+              <a:rPr kumimoji="0" lang="en-US"/>
               <a:t>Click to edit Master title style</a:t>
             </a:r>
-            <a:endParaRPr kumimoji="0" lang="en-US"/>
           </a:p>
         </p:txBody>
       </p:sp>
@@ -2372,10 +2383,9 @@
           </a:lstStyle>
           <a:p>
             <a:r>
-              <a:rPr kumimoji="0" lang="en-US" smtClean="0"/>
+              <a:rPr kumimoji="0" lang="en-US"/>
               <a:t>Click to edit Master title style</a:t>
             </a:r>
-            <a:endParaRPr kumimoji="0" lang="en-US"/>
           </a:p>
         </p:txBody>
       </p:sp>
@@ -2522,7 +2532,7 @@
           <a:p>
             <a:pPr lvl="0" eaLnBrk="1" latinLnBrk="0" hangingPunct="1"/>
             <a:r>
-              <a:rPr kumimoji="0" lang="en-US" smtClean="0"/>
+              <a:rPr kumimoji="0" lang="en-US"/>
               <a:t>Click to edit Master text styles</a:t>
             </a:r>
           </a:p>
@@ -2550,35 +2560,35 @@
           <a:p>
             <a:pPr lvl="0" eaLnBrk="1" latinLnBrk="0" hangingPunct="1"/>
             <a:r>
-              <a:rPr lang="en-US" smtClean="0"/>
+              <a:rPr lang="en-US"/>
               <a:t>Click to edit Master text styles</a:t>
             </a:r>
           </a:p>
           <a:p>
             <a:pPr lvl="1" eaLnBrk="1" latinLnBrk="0" hangingPunct="1"/>
             <a:r>
-              <a:rPr lang="en-US" smtClean="0"/>
+              <a:rPr lang="en-US"/>
               <a:t>Second level</a:t>
             </a:r>
           </a:p>
           <a:p>
             <a:pPr lvl="2" eaLnBrk="1" latinLnBrk="0" hangingPunct="1"/>
             <a:r>
-              <a:rPr lang="en-US" smtClean="0"/>
+              <a:rPr lang="en-US"/>
               <a:t>Third level</a:t>
             </a:r>
           </a:p>
           <a:p>
             <a:pPr lvl="3" eaLnBrk="1" latinLnBrk="0" hangingPunct="1"/>
             <a:r>
-              <a:rPr lang="en-US" smtClean="0"/>
+              <a:rPr lang="en-US"/>
               <a:t>Fourth level</a:t>
             </a:r>
           </a:p>
           <a:p>
             <a:pPr lvl="4" eaLnBrk="1" latinLnBrk="0" hangingPunct="1"/>
             <a:r>
-              <a:rPr lang="en-US" smtClean="0"/>
+              <a:rPr lang="en-US"/>
               <a:t>Fifth level</a:t>
             </a:r>
             <a:endParaRPr kumimoji="0" lang="en-US"/>
@@ -2663,7 +2673,7 @@
           <a:p>
             <a:pPr lvl="0" eaLnBrk="1" latinLnBrk="0" hangingPunct="1"/>
             <a:r>
-              <a:rPr kumimoji="0" lang="en-US" smtClean="0"/>
+              <a:rPr kumimoji="0" lang="en-US"/>
               <a:t>Click to edit Master text styles</a:t>
             </a:r>
           </a:p>
@@ -2841,10 +2851,9 @@
           </a:lstStyle>
           <a:p>
             <a:r>
-              <a:rPr kumimoji="0" lang="en-US" smtClean="0"/>
+              <a:rPr kumimoji="0" lang="en-US"/>
               <a:t>Click to edit Master title style</a:t>
             </a:r>
-            <a:endParaRPr kumimoji="0" lang="en-US"/>
           </a:p>
         </p:txBody>
       </p:sp>
@@ -3014,7 +3023,7 @@
           </a:lstStyle>
           <a:p>
             <a:r>
-              <a:rPr kumimoji="0" lang="en-US" smtClean="0"/>
+              <a:rPr kumimoji="0" lang="en-US"/>
               <a:t>Click icon to add picture</a:t>
             </a:r>
             <a:endParaRPr kumimoji="0" lang="en-US" dirty="0"/>
@@ -3077,10 +3086,9 @@
           <a:lstStyle/>
           <a:p>
             <a:r>
-              <a:rPr kumimoji="0" lang="en-US" smtClean="0"/>
+              <a:rPr kumimoji="0" lang="en-US"/>
               <a:t>Click to edit Master title style</a:t>
             </a:r>
-            <a:endParaRPr kumimoji="0" lang="en-US"/>
           </a:p>
         </p:txBody>
       </p:sp>
@@ -3111,38 +3119,37 @@
           <a:p>
             <a:pPr lvl="0" eaLnBrk="1" latinLnBrk="0" hangingPunct="1"/>
             <a:r>
-              <a:rPr kumimoji="0" lang="en-US" smtClean="0"/>
+              <a:rPr kumimoji="0" lang="en-US"/>
               <a:t>Click to edit Master text styles</a:t>
             </a:r>
           </a:p>
           <a:p>
             <a:pPr lvl="1" eaLnBrk="1" latinLnBrk="0" hangingPunct="1"/>
             <a:r>
-              <a:rPr kumimoji="0" lang="en-US" smtClean="0"/>
+              <a:rPr kumimoji="0" lang="en-US"/>
               <a:t>Second level</a:t>
             </a:r>
           </a:p>
           <a:p>
             <a:pPr lvl="2" eaLnBrk="1" latinLnBrk="0" hangingPunct="1"/>
             <a:r>
-              <a:rPr kumimoji="0" lang="en-US" smtClean="0"/>
+              <a:rPr kumimoji="0" lang="en-US"/>
               <a:t>Third level</a:t>
             </a:r>
           </a:p>
           <a:p>
             <a:pPr lvl="3" eaLnBrk="1" latinLnBrk="0" hangingPunct="1"/>
             <a:r>
-              <a:rPr kumimoji="0" lang="en-US" smtClean="0"/>
+              <a:rPr kumimoji="0" lang="en-US"/>
               <a:t>Fourth level</a:t>
             </a:r>
           </a:p>
           <a:p>
             <a:pPr lvl="4" eaLnBrk="1" latinLnBrk="0" hangingPunct="1"/>
             <a:r>
-              <a:rPr kumimoji="0" lang="en-US" smtClean="0"/>
+              <a:rPr kumimoji="0" lang="en-US"/>
               <a:t>Fifth level</a:t>
             </a:r>
-            <a:endParaRPr kumimoji="0" lang="en-US"/>
           </a:p>
         </p:txBody>
       </p:sp>
@@ -3741,41 +3748,29 @@
           <a:lstStyle/>
           <a:p>
             <a:r>
-              <a:rPr lang="en-US" sz="6000" dirty="0" smtClean="0">
+              <a:rPr lang="en-US" sz="6000" dirty="0">
                 <a:latin typeface="Georgia" pitchFamily="18" charset="0"/>
               </a:rPr>
               <a:t>Magic Kingdom</a:t>
             </a:r>
-            <a:r>
-              <a:rPr lang="en-US" dirty="0" smtClean="0">
-                <a:latin typeface="Georgia" pitchFamily="18" charset="0"/>
-              </a:rPr>
-              <a:t/>
-            </a:r>
             <a:br>
-              <a:rPr lang="en-US" dirty="0" smtClean="0">
+              <a:rPr lang="en-US" dirty="0">
                 <a:latin typeface="Georgia" pitchFamily="18" charset="0"/>
               </a:rPr>
             </a:br>
             <a:r>
-              <a:rPr lang="en-US" sz="3600" dirty="0" smtClean="0">
+              <a:rPr lang="en-US" sz="3600" dirty="0">
                 <a:latin typeface="Georgia" pitchFamily="18" charset="0"/>
               </a:rPr>
               <a:t>Guest Entrance System</a:t>
             </a:r>
             <a:br>
-              <a:rPr lang="en-US" sz="3600" dirty="0" smtClean="0">
+              <a:rPr lang="en-US" sz="3600" dirty="0">
                 <a:latin typeface="Georgia" pitchFamily="18" charset="0"/>
               </a:rPr>
             </a:br>
-            <a:r>
-              <a:rPr lang="en-US" sz="3600" dirty="0" smtClean="0">
-                <a:latin typeface="Georgia" pitchFamily="18" charset="0"/>
-              </a:rPr>
-              <a:t/>
-            </a:r>
             <a:br>
-              <a:rPr lang="en-US" sz="3600" dirty="0" smtClean="0">
+              <a:rPr lang="en-US" sz="3600" dirty="0">
                 <a:latin typeface="Georgia" pitchFamily="18" charset="0"/>
               </a:rPr>
             </a:br>
@@ -3785,18 +3780,58 @@
           </a:p>
         </p:txBody>
       </p:sp>
+      <p:pic>
+        <p:nvPicPr>
+          <p:cNvPr id="1026" name="Picture 2" descr="https://attachment.outlook.live.net/owa/ahardney@hotmail.com/service.svc/s/GetFileAttachment?id=AQMkADAwATEyMGI4LTgyM2QtYWRjZi0wMAItMDAKAEYAAAM6A2sfC005QqFk2k8rU2iMBwARvLaisSk8QoAZa6keFOJ2AAACAQwAAAARvLaisSk8QoAZa6keFOJ2AAF%2BMdCEAAAAARIAEABTeMeGIAV%2FRLmpopvYq%2FeG&amp;X-OWA-CANARY=TxaGYjtBw0OgnOhdSl22bpB8VckAr9UYQfZNM6qS3zGv-5ISRBqWe_Z9CNI8axp1ncEVjXykrHY.&amp;token=eyJ0eXAiOiJKV1QiLCJhbGciOiJSUzI1NiIsIng1dCI6IkJnRDU5blJpQnpmbk5BVGloOFJhZ1l5M3pyZyJ9.eyJ2ZXIiOiJFeGNoYW5nZS5DYWxsYmFjay5WMSIsImFwcGN0eHNlbmRlciI6Ik93YURvd25sb2FkQDg0ZGY5ZTdmLWU5ZjYtNDBhZi1iNDM1LWFhYWFhYWFhYWFhYSIsImFwcGN0eCI6IntcIm1zZXhjaHByb3RcIjpcIm93YVwiLFwicHJpbWFyeXNpZFwiOlwiUy0xLTI4MjctNzM5MTItMjE4NTA4MDI3MVwiLFwicHVpZFwiOlwiMzE3NDUxODA3ODYyMjIzXCIsXCJvaWRcIjpcIjAwMDEyMGI4LTgyM2QtYWRjZi0wMDAwLTAwMDAwMDAwMDAwMFwiLFwic2NvcGVcIjpcIk93YURvd25sb2FkXCJ9IiwiaXNzIjoiMDAwMDAwMDItMDAwMC0wZmYxLWNlMDAtMDAwMDAwMDAwMDAwQDg0ZGY5ZTdmLWU5ZjYtNDBhZi1iNDM1LWFhYWFhYWFhYWFhYSIsImF1ZCI6IjAwMDAwMDAyLTAwMDAtMGZmMS1jZTAwLTAwMDAwMDAwMDAwMC9hdHRhY2htZW50Lm91dGxvb2subGl2ZS5uZXRAODRkZjllN2YtZTlmNi00MGFmLWI0MzUtYWFhYWFhYWFhYWFhIiwiZXhwIjoxNTI1MTM3ODI1LCJuYmYiOjE1MjUxMzcyMjV9.NN5caYM8MJlDDawqhmApyfwQBScwXk-IXQBKgE37T8IPLfwx_Qtvu-IC8FT9snoPsB6EG0jphsyLaCS-dX8SM30l4g-MyjMUlOlRyD7KiVz1cOV_zalLpg7_fs0x7dcJg24hgMZzpVBOGuBHdVx8C7cL6LhSoiKLlpnC6jD6UfClFODVs6GuZtYCbSkDb_S6xifu7g5AGph5j7pNTOWJkKYh7tAkGl8VqI0G8lXiu59d7ufxCsQGUyVpWoGk71-cMXRJb6vTmFkF7IQwTJVlPlw7cwIluuL2wvHAK0og1khnquak2muKXKWk1uuj_osJfBBAk-9b41XaKzah1WY5fQ&amp;owa=outlook.live.com&amp;isc=1&amp;isImagePreview=True">
+            <a:extLst>
+              <a:ext uri="{FF2B5EF4-FFF2-40B4-BE49-F238E27FC236}">
+                <a16:creationId xmlns:a16="http://schemas.microsoft.com/office/drawing/2014/main" id="{920931D4-219A-44E6-9188-9CB9DBD606FC}"/>
+              </a:ext>
+            </a:extLst>
+          </p:cNvPr>
+          <p:cNvPicPr>
+            <a:picLocks noChangeAspect="1" noChangeArrowheads="1"/>
+          </p:cNvPicPr>
+          <p:nvPr/>
+        </p:nvPicPr>
+        <p:blipFill>
+          <a:blip r:embed="rId2">
+            <a:extLst>
+              <a:ext uri="{28A0092B-C50C-407E-A947-70E740481C1C}">
+                <a14:useLocalDpi xmlns:a14="http://schemas.microsoft.com/office/drawing/2010/main" val="0"/>
+              </a:ext>
+            </a:extLst>
+          </a:blip>
+          <a:srcRect/>
+          <a:stretch>
+            <a:fillRect/>
+          </a:stretch>
+        </p:blipFill>
+        <p:spPr bwMode="auto">
+          <a:xfrm>
+            <a:off x="685800" y="561975"/>
+            <a:ext cx="2381250" cy="1952625"/>
+          </a:xfrm>
+          <a:prstGeom prst="rect">
+            <a:avLst/>
+          </a:prstGeom>
+          <a:noFill/>
+          <a:extLst>
+            <a:ext uri="{909E8E84-426E-40DD-AFC4-6F175D3DCCD1}">
+              <a14:hiddenFill xmlns:a14="http://schemas.microsoft.com/office/drawing/2010/main">
+                <a:solidFill>
+                  <a:srgbClr val="FFFFFF"/>
+                </a:solidFill>
+              </a14:hiddenFill>
+            </a:ext>
+          </a:extLst>
+        </p:spPr>
+      </p:pic>
     </p:spTree>
   </p:cSld>
   <p:clrMapOvr>
     <a:masterClrMapping/>
   </p:clrMapOvr>
-  <p:timing>
-    <p:tnLst>
-      <p:par>
-        <p:cTn id="1" dur="indefinite" restart="never" nodeType="tmRoot"/>
-      </p:par>
-    </p:tnLst>
-  </p:timing>
 </p:sld>
 </file>
 
@@ -3885,13 +3920,6 @@
   <p:clrMapOvr>
     <a:masterClrMapping/>
   </p:clrMapOvr>
-  <p:timing>
-    <p:tnLst>
-      <p:par>
-        <p:cTn id="1" dur="indefinite" restart="never" nodeType="tmRoot"/>
-      </p:par>
-    </p:tnLst>
-  </p:timing>
 </p:sld>
 </file>
 
@@ -3980,13 +4008,6 @@
   <p:clrMapOvr>
     <a:masterClrMapping/>
   </p:clrMapOvr>
-  <p:timing>
-    <p:tnLst>
-      <p:par>
-        <p:cTn id="1" dur="indefinite" restart="never" nodeType="tmRoot"/>
-      </p:par>
-    </p:tnLst>
-  </p:timing>
 </p:sld>
 </file>
 
@@ -4074,13 +4095,6 @@
   <p:clrMapOvr>
     <a:masterClrMapping/>
   </p:clrMapOvr>
-  <p:timing>
-    <p:tnLst>
-      <p:par>
-        <p:cTn id="1" dur="indefinite" restart="never" nodeType="tmRoot"/>
-      </p:par>
-    </p:tnLst>
-  </p:timing>
 </p:sld>
 </file>
 
@@ -4148,13 +4162,6 @@
   <p:clrMapOvr>
     <a:masterClrMapping/>
   </p:clrMapOvr>
-  <p:timing>
-    <p:tnLst>
-      <p:par>
-        <p:cTn id="1" dur="indefinite" restart="never" nodeType="tmRoot"/>
-      </p:par>
-    </p:tnLst>
-  </p:timing>
 </p:sld>
 </file>
 
@@ -4222,13 +4229,6 @@
   <p:clrMapOvr>
     <a:masterClrMapping/>
   </p:clrMapOvr>
-  <p:timing>
-    <p:tnLst>
-      <p:par>
-        <p:cTn id="1" dur="indefinite" restart="never" nodeType="tmRoot"/>
-      </p:par>
-    </p:tnLst>
-  </p:timing>
 </p:sld>
 </file>
 
@@ -4265,10 +4265,9 @@
           <a:lstStyle/>
           <a:p>
             <a:r>
-              <a:rPr lang="en-US" dirty="0" smtClean="0"/>
+              <a:rPr lang="en-US" dirty="0"/>
               <a:t>Example of Using the Model </a:t>
             </a:r>
-            <a:endParaRPr lang="en-US" dirty="0"/>
           </a:p>
         </p:txBody>
       </p:sp>
@@ -4288,21 +4287,21 @@
           <a:lstStyle/>
           <a:p>
             <a:r>
-              <a:rPr lang="en-US" dirty="0" smtClean="0"/>
+              <a:rPr lang="en-US" dirty="0"/>
               <a:t>What if more guests chose to ride the monorail and ferry as opposed to the bus?</a:t>
             </a:r>
           </a:p>
           <a:p>
             <a:pPr lvl="1"/>
             <a:r>
-              <a:rPr lang="en-US" dirty="0" smtClean="0"/>
+              <a:rPr lang="en-US" dirty="0"/>
               <a:t>We initially assumed the likelihood of guests riding any of these modes was equal (ferry = 0.33, monorail  = 0.33, bus = 0.33)</a:t>
             </a:r>
           </a:p>
           <a:p>
             <a:pPr lvl="1"/>
             <a:r>
-              <a:rPr lang="en-US" dirty="0" smtClean="0"/>
+              <a:rPr lang="en-US" dirty="0"/>
               <a:t>These estimates were changed and the model was run again (ferry = 0.3, monorail  = 0.5, bus = 0.2)</a:t>
             </a:r>
           </a:p>
@@ -4310,20 +4309,51 @@
             <a:pPr lvl="1"/>
             <a:endParaRPr lang="en-US" dirty="0"/>
           </a:p>
-        </p:txBody>
-      </p:sp>
+          <a:p>
+            <a:pPr lvl="1"/>
+            <a:endParaRPr lang="en-US" dirty="0"/>
+          </a:p>
+          <a:p>
+            <a:pPr lvl="1"/>
+            <a:endParaRPr lang="en-US" dirty="0"/>
+          </a:p>
+        </p:txBody>
+      </p:sp>
+      <p:pic>
+        <p:nvPicPr>
+          <p:cNvPr id="4" name="Picture 3">
+            <a:extLst>
+              <a:ext uri="{FF2B5EF4-FFF2-40B4-BE49-F238E27FC236}">
+                <a16:creationId xmlns:a16="http://schemas.microsoft.com/office/drawing/2014/main" id="{15233DAD-5B39-4EF0-B312-3DAA558B3909}"/>
+              </a:ext>
+            </a:extLst>
+          </p:cNvPr>
+          <p:cNvPicPr>
+            <a:picLocks noChangeAspect="1"/>
+          </p:cNvPicPr>
+          <p:nvPr/>
+        </p:nvPicPr>
+        <p:blipFill>
+          <a:blip r:embed="rId2"/>
+          <a:stretch>
+            <a:fillRect/>
+          </a:stretch>
+        </p:blipFill>
+        <p:spPr>
+          <a:xfrm>
+            <a:off x="7086600" y="5105400"/>
+            <a:ext cx="1543050" cy="1265301"/>
+          </a:xfrm>
+          <a:prstGeom prst="rect">
+            <a:avLst/>
+          </a:prstGeom>
+        </p:spPr>
+      </p:pic>
     </p:spTree>
   </p:cSld>
   <p:clrMapOvr>
     <a:masterClrMapping/>
   </p:clrMapOvr>
-  <p:timing>
-    <p:tnLst>
-      <p:par>
-        <p:cTn id="1" dur="indefinite" restart="never" nodeType="tmRoot"/>
-      </p:par>
-    </p:tnLst>
-  </p:timing>
 </p:sld>
 </file>
 
@@ -4423,7 +4453,7 @@
           <a:p>
             <a:pPr algn="ctr"/>
             <a:r>
-              <a:rPr lang="en-US" sz="3200" dirty="0" smtClean="0"/>
+              <a:rPr lang="en-US" sz="3200" dirty="0"/>
               <a:t>Equal</a:t>
             </a:r>
           </a:p>
@@ -4526,13 +4556,6 @@
   <p:clrMapOvr>
     <a:masterClrMapping/>
   </p:clrMapOvr>
-  <p:timing>
-    <p:tnLst>
-      <p:par>
-        <p:cTn id="1" dur="indefinite" restart="never" nodeType="tmRoot"/>
-      </p:par>
-    </p:tnLst>
-  </p:timing>
 </p:sld>
 </file>
 
@@ -4660,7 +4683,7 @@
           <a:p>
             <a:pPr algn="ctr"/>
             <a:r>
-              <a:rPr lang="en-US" sz="3200" dirty="0" smtClean="0"/>
+              <a:rPr lang="en-US" sz="3200" dirty="0"/>
               <a:t>Unequal</a:t>
             </a:r>
           </a:p>
@@ -4763,13 +4786,6 @@
   <p:clrMapOvr>
     <a:masterClrMapping/>
   </p:clrMapOvr>
-  <p:timing>
-    <p:tnLst>
-      <p:par>
-        <p:cTn id="1" dur="indefinite" restart="never" nodeType="tmRoot"/>
-      </p:par>
-    </p:tnLst>
-  </p:timing>
 </p:sld>
 </file>
 
@@ -4806,64 +4822,86 @@
           <a:lstStyle/>
           <a:p>
             <a:r>
-              <a:rPr lang="en-US" dirty="0" smtClean="0"/>
+              <a:rPr lang="en-US" dirty="0"/>
               <a:t>Challenges</a:t>
             </a:r>
+          </a:p>
+        </p:txBody>
+      </p:sp>
+      <p:sp>
+        <p:nvSpPr>
+          <p:cNvPr id="3" name="Content Placeholder 2"/>
+          <p:cNvSpPr>
+            <a:spLocks noGrp="1"/>
+          </p:cNvSpPr>
+          <p:nvPr>
+            <p:ph sz="quarter" idx="1"/>
+          </p:nvPr>
+        </p:nvSpPr>
+        <p:spPr/>
+        <p:txBody>
+          <a:bodyPr/>
+          <a:lstStyle/>
+          <a:p>
+            <a:r>
+              <a:rPr lang="en-US" dirty="0"/>
+              <a:t>Pedestrian modeling in </a:t>
+            </a:r>
+            <a:r>
+              <a:rPr lang="en-US" dirty="0" err="1"/>
+              <a:t>AnyLogic</a:t>
+            </a:r>
+            <a:r>
+              <a:rPr lang="en-US" dirty="0"/>
+              <a:t> Personal Learning Edition is limited to 1 hour of simulation time</a:t>
+            </a:r>
+          </a:p>
+          <a:p>
+            <a:r>
+              <a:rPr lang="en-US" dirty="0"/>
+              <a:t>The system was fairly complex, so model resolution and fidelity had to be sacrificed (i.e. lot trams were excluded, pedestrian walking from security line to transportation line)</a:t>
+            </a:r>
+          </a:p>
+          <a:p>
             <a:endParaRPr lang="en-US" dirty="0"/>
           </a:p>
         </p:txBody>
       </p:sp>
-      <p:sp>
-        <p:nvSpPr>
-          <p:cNvPr id="3" name="Content Placeholder 2"/>
-          <p:cNvSpPr>
-            <a:spLocks noGrp="1"/>
-          </p:cNvSpPr>
-          <p:nvPr>
-            <p:ph sz="quarter" idx="1"/>
-          </p:nvPr>
-        </p:nvSpPr>
-        <p:spPr/>
-        <p:txBody>
-          <a:bodyPr/>
-          <a:lstStyle/>
-          <a:p>
-            <a:r>
-              <a:rPr lang="en-US" dirty="0" smtClean="0"/>
-              <a:t>Pedestrian modeling in </a:t>
-            </a:r>
-            <a:r>
-              <a:rPr lang="en-US" dirty="0" err="1" smtClean="0"/>
-              <a:t>AnyLogic</a:t>
-            </a:r>
-            <a:r>
-              <a:rPr lang="en-US" dirty="0" smtClean="0"/>
-              <a:t> Personal Learning Edition is limited to 1 hour of simulation time</a:t>
-            </a:r>
-          </a:p>
-          <a:p>
-            <a:r>
-              <a:rPr lang="en-US" dirty="0" smtClean="0"/>
-              <a:t>The system was fairly complex, so model resolution and fidelity had to be sacrificed (i.e. lot trams were excluded, pedestrian walking from security line to transportation line)</a:t>
-            </a:r>
-          </a:p>
-          <a:p>
-            <a:endParaRPr lang="en-US" dirty="0"/>
-          </a:p>
-        </p:txBody>
-      </p:sp>
+      <p:pic>
+        <p:nvPicPr>
+          <p:cNvPr id="4" name="Picture 3">
+            <a:extLst>
+              <a:ext uri="{FF2B5EF4-FFF2-40B4-BE49-F238E27FC236}">
+                <a16:creationId xmlns:a16="http://schemas.microsoft.com/office/drawing/2014/main" id="{27E4F070-35B7-4CBA-9C96-56F47DD7CEAE}"/>
+              </a:ext>
+            </a:extLst>
+          </p:cNvPr>
+          <p:cNvPicPr>
+            <a:picLocks noChangeAspect="1"/>
+          </p:cNvPicPr>
+          <p:nvPr/>
+        </p:nvPicPr>
+        <p:blipFill>
+          <a:blip r:embed="rId2"/>
+          <a:stretch>
+            <a:fillRect/>
+          </a:stretch>
+        </p:blipFill>
+        <p:spPr>
+          <a:xfrm>
+            <a:off x="7162800" y="5181600"/>
+            <a:ext cx="1724025" cy="1413701"/>
+          </a:xfrm>
+          <a:prstGeom prst="rect">
+            <a:avLst/>
+          </a:prstGeom>
+        </p:spPr>
+      </p:pic>
     </p:spTree>
   </p:cSld>
   <p:clrMapOvr>
     <a:masterClrMapping/>
   </p:clrMapOvr>
-  <p:timing>
-    <p:tnLst>
-      <p:par>
-        <p:cTn id="1" dur="indefinite" restart="never" nodeType="tmRoot"/>
-      </p:par>
-    </p:tnLst>
-  </p:timing>
 </p:sld>
 </file>
 
@@ -4900,44 +4938,49 @@
           <a:lstStyle/>
           <a:p>
             <a:r>
-              <a:rPr lang="en-US" dirty="0" smtClean="0"/>
+              <a:rPr lang="en-US" dirty="0"/>
               <a:t>Future Work</a:t>
             </a:r>
-            <a:endParaRPr lang="en-US" dirty="0"/>
-          </a:p>
-        </p:txBody>
-      </p:sp>
-      <p:sp>
-        <p:nvSpPr>
-          <p:cNvPr id="3" name="Content Placeholder 2"/>
-          <p:cNvSpPr>
-            <a:spLocks noGrp="1"/>
-          </p:cNvSpPr>
+          </a:p>
+        </p:txBody>
+      </p:sp>
+      <p:pic>
+        <p:nvPicPr>
+          <p:cNvPr id="4" name="Content Placeholder 3">
+            <a:extLst>
+              <a:ext uri="{FF2B5EF4-FFF2-40B4-BE49-F238E27FC236}">
+                <a16:creationId xmlns:a16="http://schemas.microsoft.com/office/drawing/2014/main" id="{9ACB9862-8766-4082-9B2B-CBEA8C27F0FC}"/>
+              </a:ext>
+            </a:extLst>
+          </p:cNvPr>
+          <p:cNvPicPr>
+            <a:picLocks noGrp="1" noChangeAspect="1"/>
+          </p:cNvPicPr>
           <p:nvPr>
             <p:ph sz="quarter" idx="1"/>
           </p:nvPr>
-        </p:nvSpPr>
-        <p:spPr/>
-        <p:txBody>
-          <a:bodyPr/>
-          <a:lstStyle/>
-          <a:p>
-            <a:endParaRPr lang="en-US"/>
-          </a:p>
-        </p:txBody>
-      </p:sp>
+        </p:nvPicPr>
+        <p:blipFill>
+          <a:blip r:embed="rId2"/>
+          <a:stretch>
+            <a:fillRect/>
+          </a:stretch>
+        </p:blipFill>
+        <p:spPr>
+          <a:xfrm>
+            <a:off x="3498850" y="2871787"/>
+            <a:ext cx="2381250" cy="1952625"/>
+          </a:xfrm>
+          <a:prstGeom prst="rect">
+            <a:avLst/>
+          </a:prstGeom>
+        </p:spPr>
+      </p:pic>
     </p:spTree>
   </p:cSld>
   <p:clrMapOvr>
     <a:masterClrMapping/>
   </p:clrMapOvr>
-  <p:timing>
-    <p:tnLst>
-      <p:par>
-        <p:cTn id="1" dur="indefinite" restart="never" nodeType="tmRoot"/>
-      </p:par>
-    </p:tnLst>
-  </p:timing>
 </p:sld>
 </file>
 
@@ -4968,16 +5011,20 @@
             <p:ph type="title"/>
           </p:nvPr>
         </p:nvSpPr>
-        <p:spPr/>
+        <p:spPr>
+          <a:xfrm>
+            <a:off x="612648" y="228600"/>
+            <a:ext cx="8153400" cy="990600"/>
+          </a:xfrm>
+        </p:spPr>
         <p:txBody>
           <a:bodyPr/>
           <a:lstStyle/>
           <a:p>
             <a:r>
-              <a:rPr lang="en-US" dirty="0" smtClean="0"/>
-              <a:t>Disney's Magic Kingdom</a:t>
-            </a:r>
-            <a:endParaRPr lang="en-US" dirty="0"/>
+              <a:rPr lang="en-US" dirty="0"/>
+              <a:t>Disney's Magic Kingdom </a:t>
+            </a:r>
           </a:p>
         </p:txBody>
       </p:sp>
@@ -5004,34 +5051,34 @@
           <a:lstStyle/>
           <a:p>
             <a:r>
-              <a:rPr lang="en-US" dirty="0" smtClean="0"/>
+              <a:rPr lang="en-US" dirty="0"/>
               <a:t>The theme park averages roughly 53,000 guests per day</a:t>
             </a:r>
           </a:p>
           <a:p>
             <a:r>
-              <a:rPr lang="en-US" dirty="0" smtClean="0"/>
+              <a:rPr lang="en-US" dirty="0"/>
               <a:t>The guests' parking lot is located a mile and a half away from the Magic Kingdom entrance since the land south of the park was initially a swamp</a:t>
             </a:r>
           </a:p>
           <a:p>
             <a:r>
-              <a:rPr lang="en-US" dirty="0" smtClean="0"/>
+              <a:rPr lang="en-US" dirty="0"/>
               <a:t>Multiple modes of transportation (ferry, monorail, bus, </a:t>
             </a:r>
             <a:r>
-              <a:rPr lang="en-US" dirty="0" err="1" smtClean="0"/>
+              <a:rPr lang="en-US" dirty="0" err="1"/>
               <a:t>minnie</a:t>
             </a:r>
             <a:r>
-              <a:rPr lang="en-US" dirty="0" smtClean="0"/>
+              <a:rPr lang="en-US" dirty="0"/>
               <a:t> van) are used to transport guests to the entrance of the park</a:t>
             </a:r>
           </a:p>
           <a:p>
             <a:r>
-              <a:rPr lang="en-US" dirty="0" smtClean="0"/>
-              <a:t>Extensive wait time is a problem that may affect the quality of the overall guest experience while also imposing potential safety concerns</a:t>
+              <a:rPr lang="en-US" dirty="0"/>
+              <a:t>Extensive wait time is a problem that may affect the quality of the overall guest experience while also imposing potential safety concerns </a:t>
             </a:r>
           </a:p>
           <a:p>
@@ -5039,18 +5086,41 @@
           </a:p>
         </p:txBody>
       </p:sp>
+      <p:pic>
+        <p:nvPicPr>
+          <p:cNvPr id="4" name="Picture 3">
+            <a:extLst>
+              <a:ext uri="{FF2B5EF4-FFF2-40B4-BE49-F238E27FC236}">
+                <a16:creationId xmlns:a16="http://schemas.microsoft.com/office/drawing/2014/main" id="{3A86664A-34DB-46AC-9EDD-B03B3E1F365C}"/>
+              </a:ext>
+            </a:extLst>
+          </p:cNvPr>
+          <p:cNvPicPr>
+            <a:picLocks noChangeAspect="1"/>
+          </p:cNvPicPr>
+          <p:nvPr/>
+        </p:nvPicPr>
+        <p:blipFill>
+          <a:blip r:embed="rId2"/>
+          <a:stretch>
+            <a:fillRect/>
+          </a:stretch>
+        </p:blipFill>
+        <p:spPr>
+          <a:xfrm>
+            <a:off x="7315200" y="5638800"/>
+            <a:ext cx="1300977" cy="1066801"/>
+          </a:xfrm>
+          <a:prstGeom prst="rect">
+            <a:avLst/>
+          </a:prstGeom>
+        </p:spPr>
+      </p:pic>
     </p:spTree>
   </p:cSld>
   <p:clrMapOvr>
     <a:masterClrMapping/>
   </p:clrMapOvr>
-  <p:timing>
-    <p:tnLst>
-      <p:par>
-        <p:cTn id="1" dur="indefinite" restart="never" nodeType="tmRoot"/>
-      </p:par>
-    </p:tnLst>
-  </p:timing>
 </p:sld>
 </file>
 
@@ -5146,13 +5216,6 @@
   <p:clrMapOvr>
     <a:masterClrMapping/>
   </p:clrMapOvr>
-  <p:timing>
-    <p:tnLst>
-      <p:par>
-        <p:cTn id="1" dur="indefinite" restart="never" nodeType="tmRoot"/>
-      </p:par>
-    </p:tnLst>
-  </p:timing>
 </p:sld>
 </file>
 
@@ -5191,10 +5254,9 @@
           <a:lstStyle/>
           <a:p>
             <a:r>
-              <a:rPr lang="en-US" sz="3600" dirty="0" smtClean="0"/>
+              <a:rPr lang="en-US" sz="3600" dirty="0"/>
               <a:t>Magic Kingdom Guests Entrance System</a:t>
             </a:r>
-            <a:endParaRPr lang="en-US" sz="3600" dirty="0"/>
           </a:p>
         </p:txBody>
       </p:sp>
@@ -5229,15 +5291,15 @@
               </a:spcAft>
             </a:pPr>
             <a:r>
-              <a:rPr lang="en-US" dirty="0" smtClean="0"/>
+              <a:rPr lang="en-US" dirty="0"/>
               <a:t>A model was constructed in </a:t>
             </a:r>
             <a:r>
-              <a:rPr lang="en-US" dirty="0" err="1" smtClean="0"/>
+              <a:rPr lang="en-US" dirty="0" err="1"/>
               <a:t>AnyLogic</a:t>
             </a:r>
             <a:r>
-              <a:rPr lang="en-US" dirty="0" smtClean="0"/>
+              <a:rPr lang="en-US" dirty="0"/>
               <a:t> to simulate guest arrivals into the park</a:t>
             </a:r>
           </a:p>
@@ -5251,7 +5313,7 @@
               </a:spcAft>
             </a:pPr>
             <a:r>
-              <a:rPr lang="en-US" dirty="0" smtClean="0"/>
+              <a:rPr lang="en-US" dirty="0"/>
               <a:t>It is an attempt to evaluate issues related to extensive wait times for the offered modes of transportation</a:t>
             </a:r>
           </a:p>
@@ -5265,24 +5327,47 @@
               </a:spcAft>
             </a:pPr>
             <a:r>
-              <a:rPr lang="en-US" dirty="0" smtClean="0"/>
-              <a:t>The system model was broken into two portions: pedestrian movement and transit</a:t>
-            </a:r>
-          </a:p>
-        </p:txBody>
-      </p:sp>
+              <a:rPr lang="en-US" dirty="0"/>
+              <a:t>The system model was broken into two portions: pedestrian movement and transit </a:t>
+            </a:r>
+          </a:p>
+        </p:txBody>
+      </p:sp>
+      <p:pic>
+        <p:nvPicPr>
+          <p:cNvPr id="4" name="Picture 3">
+            <a:extLst>
+              <a:ext uri="{FF2B5EF4-FFF2-40B4-BE49-F238E27FC236}">
+                <a16:creationId xmlns:a16="http://schemas.microsoft.com/office/drawing/2014/main" id="{25D63AC3-DC23-4ED3-B419-6BBDEFED6EB2}"/>
+              </a:ext>
+            </a:extLst>
+          </p:cNvPr>
+          <p:cNvPicPr>
+            <a:picLocks noChangeAspect="1"/>
+          </p:cNvPicPr>
+          <p:nvPr/>
+        </p:nvPicPr>
+        <p:blipFill>
+          <a:blip r:embed="rId2"/>
+          <a:stretch>
+            <a:fillRect/>
+          </a:stretch>
+        </p:blipFill>
+        <p:spPr>
+          <a:xfrm>
+            <a:off x="6781800" y="5181600"/>
+            <a:ext cx="1748185" cy="1433512"/>
+          </a:xfrm>
+          <a:prstGeom prst="rect">
+            <a:avLst/>
+          </a:prstGeom>
+        </p:spPr>
+      </p:pic>
     </p:spTree>
   </p:cSld>
   <p:clrMapOvr>
     <a:masterClrMapping/>
   </p:clrMapOvr>
-  <p:timing>
-    <p:tnLst>
-      <p:par>
-        <p:cTn id="1" dur="indefinite" restart="never" nodeType="tmRoot"/>
-      </p:par>
-    </p:tnLst>
-  </p:timing>
 </p:sld>
 </file>
 
@@ -5319,10 +5404,9 @@
           <a:lstStyle/>
           <a:p>
             <a:r>
-              <a:rPr lang="en-US" dirty="0" smtClean="0"/>
+              <a:rPr lang="en-US" dirty="0"/>
               <a:t>Objectives of the Simulation</a:t>
             </a:r>
-            <a:endParaRPr lang="en-US" dirty="0"/>
           </a:p>
         </p:txBody>
       </p:sp>
@@ -5345,7 +5429,7 @@
               <a:buNone/>
             </a:pPr>
             <a:r>
-              <a:rPr lang="en-US" dirty="0" smtClean="0"/>
+              <a:rPr lang="en-US" dirty="0"/>
               <a:t>We are interested in investigating and identifying: </a:t>
             </a:r>
           </a:p>
@@ -5359,7 +5443,7 @@
               </a:spcAft>
             </a:pPr>
             <a:r>
-              <a:rPr lang="en-US" dirty="0" smtClean="0"/>
+              <a:rPr lang="en-US" dirty="0"/>
               <a:t>Which mode of transportation is the fastest method to get to the TTC to the park entrance of Magic Kingdom?</a:t>
             </a:r>
           </a:p>
@@ -5373,7 +5457,7 @@
               </a:spcAft>
             </a:pPr>
             <a:r>
-              <a:rPr lang="en-US" dirty="0" smtClean="0"/>
+              <a:rPr lang="en-US" dirty="0"/>
               <a:t>Does the design of the TTC create bottlenecking?</a:t>
             </a:r>
           </a:p>
@@ -5387,25 +5471,47 @@
               </a:spcAft>
             </a:pPr>
             <a:r>
-              <a:rPr lang="en-US" dirty="0" smtClean="0"/>
+              <a:rPr lang="en-US" dirty="0"/>
               <a:t>Does it lead to unnecessary wait times that can lead to negative experiences for their guests?</a:t>
             </a:r>
-            <a:endParaRPr lang="en-US" dirty="0"/>
-          </a:p>
-        </p:txBody>
-      </p:sp>
+          </a:p>
+        </p:txBody>
+      </p:sp>
+      <p:pic>
+        <p:nvPicPr>
+          <p:cNvPr id="4" name="Picture 3">
+            <a:extLst>
+              <a:ext uri="{FF2B5EF4-FFF2-40B4-BE49-F238E27FC236}">
+                <a16:creationId xmlns:a16="http://schemas.microsoft.com/office/drawing/2014/main" id="{EE04610F-4E08-447B-B72C-A921A970CBCF}"/>
+              </a:ext>
+            </a:extLst>
+          </p:cNvPr>
+          <p:cNvPicPr>
+            <a:picLocks noChangeAspect="1"/>
+          </p:cNvPicPr>
+          <p:nvPr/>
+        </p:nvPicPr>
+        <p:blipFill>
+          <a:blip r:embed="rId2"/>
+          <a:stretch>
+            <a:fillRect/>
+          </a:stretch>
+        </p:blipFill>
+        <p:spPr>
+          <a:xfrm>
+            <a:off x="7086600" y="5260056"/>
+            <a:ext cx="1469405" cy="1204912"/>
+          </a:xfrm>
+          <a:prstGeom prst="rect">
+            <a:avLst/>
+          </a:prstGeom>
+        </p:spPr>
+      </p:pic>
     </p:spTree>
   </p:cSld>
   <p:clrMapOvr>
     <a:masterClrMapping/>
   </p:clrMapOvr>
-  <p:timing>
-    <p:tnLst>
-      <p:par>
-        <p:cTn id="1" dur="indefinite" restart="never" nodeType="tmRoot"/>
-      </p:par>
-    </p:tnLst>
-  </p:timing>
 </p:sld>
 </file>
 
@@ -5508,10 +5614,9 @@
             <a:p>
               <a:pPr algn="ctr"/>
               <a:r>
-                <a:rPr lang="en-US" sz="1400" dirty="0" smtClean="0"/>
+                <a:rPr lang="en-US" sz="1400" dirty="0"/>
                 <a:t>(TTC)</a:t>
               </a:r>
-              <a:endParaRPr lang="en-US" sz="1400" dirty="0"/>
             </a:p>
           </p:txBody>
         </p:sp>
@@ -5552,34 +5657,53 @@
           <a:lstStyle/>
           <a:p>
             <a:r>
-              <a:rPr lang="en-US" sz="3200" dirty="0" smtClean="0"/>
+              <a:rPr lang="en-US" sz="3200" dirty="0"/>
               <a:t>Pedestrian Portion of the model: </a:t>
             </a:r>
           </a:p>
           <a:p>
             <a:r>
-              <a:rPr lang="en-US" sz="3200" dirty="0" smtClean="0"/>
-              <a:t>Object Diagra</a:t>
-            </a:r>
-            <a:r>
               <a:rPr lang="en-US" sz="3200" dirty="0"/>
-              <a:t>m</a:t>
-            </a:r>
-          </a:p>
-        </p:txBody>
-      </p:sp>
+              <a:t>Object Diagram</a:t>
+            </a:r>
+          </a:p>
+        </p:txBody>
+      </p:sp>
+      <p:pic>
+        <p:nvPicPr>
+          <p:cNvPr id="3" name="Picture 2">
+            <a:extLst>
+              <a:ext uri="{FF2B5EF4-FFF2-40B4-BE49-F238E27FC236}">
+                <a16:creationId xmlns:a16="http://schemas.microsoft.com/office/drawing/2014/main" id="{04F13CE6-AC4C-4308-80D3-0BE392258427}"/>
+              </a:ext>
+            </a:extLst>
+          </p:cNvPr>
+          <p:cNvPicPr>
+            <a:picLocks noChangeAspect="1"/>
+          </p:cNvPicPr>
+          <p:nvPr/>
+        </p:nvPicPr>
+        <p:blipFill>
+          <a:blip r:embed="rId3"/>
+          <a:stretch>
+            <a:fillRect/>
+          </a:stretch>
+        </p:blipFill>
+        <p:spPr>
+          <a:xfrm>
+            <a:off x="236621" y="4876800"/>
+            <a:ext cx="1981200" cy="1624584"/>
+          </a:xfrm>
+          <a:prstGeom prst="rect">
+            <a:avLst/>
+          </a:prstGeom>
+        </p:spPr>
+      </p:pic>
     </p:spTree>
   </p:cSld>
   <p:clrMapOvr>
     <a:masterClrMapping/>
   </p:clrMapOvr>
-  <p:timing>
-    <p:tnLst>
-      <p:par>
-        <p:cTn id="1" dur="indefinite" restart="never" nodeType="tmRoot"/>
-      </p:par>
-    </p:tnLst>
-  </p:timing>
 </p:sld>
 </file>
 
@@ -5619,25 +5743,38 @@
           </a:p>
         </p:txBody>
       </p:sp>
-      <p:sp>
-        <p:nvSpPr>
-          <p:cNvPr id="3" name="Content Placeholder 2"/>
-          <p:cNvSpPr>
-            <a:spLocks noGrp="1"/>
-          </p:cNvSpPr>
+      <p:pic>
+        <p:nvPicPr>
+          <p:cNvPr id="6" name="Content Placeholder 5">
+            <a:extLst>
+              <a:ext uri="{FF2B5EF4-FFF2-40B4-BE49-F238E27FC236}">
+                <a16:creationId xmlns:a16="http://schemas.microsoft.com/office/drawing/2014/main" id="{53A1A2C8-EF9E-4285-9E61-B6790380D589}"/>
+              </a:ext>
+            </a:extLst>
+          </p:cNvPr>
+          <p:cNvPicPr>
+            <a:picLocks noGrp="1" noChangeAspect="1"/>
+          </p:cNvPicPr>
           <p:nvPr>
             <p:ph sz="quarter" idx="1"/>
           </p:nvPr>
-        </p:nvSpPr>
-        <p:spPr/>
-        <p:txBody>
-          <a:bodyPr/>
-          <a:lstStyle/>
-          <a:p>
-            <a:endParaRPr lang="en-US" dirty="0"/>
-          </a:p>
-        </p:txBody>
-      </p:sp>
+        </p:nvPicPr>
+        <p:blipFill>
+          <a:blip r:embed="rId2"/>
+          <a:stretch>
+            <a:fillRect/>
+          </a:stretch>
+        </p:blipFill>
+        <p:spPr>
+          <a:xfrm>
+            <a:off x="4550084" y="3733800"/>
+            <a:ext cx="1330015" cy="1090612"/>
+          </a:xfrm>
+          <a:prstGeom prst="rect">
+            <a:avLst/>
+          </a:prstGeom>
+        </p:spPr>
+      </p:pic>
       <p:pic>
         <p:nvPicPr>
           <p:cNvPr id="4" name="Content Placeholder 3" descr="BDFP1.png"/>
@@ -5647,7 +5784,7 @@
           <p:nvPr/>
         </p:nvPicPr>
         <p:blipFill>
-          <a:blip r:embed="rId2" cstate="print"/>
+          <a:blip r:embed="rId3" cstate="print"/>
           <a:srcRect t="61699"/>
           <a:stretch>
             <a:fillRect/>
@@ -5699,30 +5836,53 @@
           <a:lstStyle/>
           <a:p>
             <a:r>
-              <a:rPr lang="en-US" sz="3200" dirty="0" smtClean="0"/>
+              <a:rPr lang="en-US" sz="3200" dirty="0"/>
               <a:t>Transit Portion of the model: </a:t>
             </a:r>
           </a:p>
           <a:p>
             <a:r>
-              <a:rPr lang="en-US" sz="3200" dirty="0" smtClean="0"/>
+              <a:rPr lang="en-US" sz="3200" dirty="0"/>
               <a:t>Object Diagram</a:t>
             </a:r>
           </a:p>
         </p:txBody>
       </p:sp>
+      <p:pic>
+        <p:nvPicPr>
+          <p:cNvPr id="7" name="Picture 6">
+            <a:extLst>
+              <a:ext uri="{FF2B5EF4-FFF2-40B4-BE49-F238E27FC236}">
+                <a16:creationId xmlns:a16="http://schemas.microsoft.com/office/drawing/2014/main" id="{004EB9A1-A5C8-4900-BBED-803430113828}"/>
+              </a:ext>
+            </a:extLst>
+          </p:cNvPr>
+          <p:cNvPicPr>
+            <a:picLocks noChangeAspect="1"/>
+          </p:cNvPicPr>
+          <p:nvPr/>
+        </p:nvPicPr>
+        <p:blipFill>
+          <a:blip r:embed="rId2"/>
+          <a:stretch>
+            <a:fillRect/>
+          </a:stretch>
+        </p:blipFill>
+        <p:spPr>
+          <a:xfrm>
+            <a:off x="7070598" y="4648200"/>
+            <a:ext cx="1695450" cy="1390269"/>
+          </a:xfrm>
+          <a:prstGeom prst="rect">
+            <a:avLst/>
+          </a:prstGeom>
+        </p:spPr>
+      </p:pic>
     </p:spTree>
   </p:cSld>
   <p:clrMapOvr>
     <a:masterClrMapping/>
   </p:clrMapOvr>
-  <p:timing>
-    <p:tnLst>
-      <p:par>
-        <p:cTn id="1" dur="indefinite" restart="never" nodeType="tmRoot"/>
-      </p:par>
-    </p:tnLst>
-  </p:timing>
 </p:sld>
 </file>
 
@@ -5817,13 +5977,13 @@
           <a:lstStyle/>
           <a:p>
             <a:r>
-              <a:rPr lang="en-US" sz="3200" dirty="0" smtClean="0"/>
+              <a:rPr lang="en-US" sz="3200" dirty="0"/>
               <a:t>Pedestrian Portion of the model: </a:t>
             </a:r>
           </a:p>
           <a:p>
             <a:r>
-              <a:rPr lang="en-US" sz="3200" dirty="0" err="1" smtClean="0"/>
+              <a:rPr lang="en-US" sz="3200" dirty="0" err="1"/>
               <a:t>AnyLogic</a:t>
             </a:r>
             <a:endParaRPr lang="en-US" sz="3200" dirty="0"/>
@@ -5862,18 +6022,41 @@
           </a:ln>
         </p:spPr>
       </p:pic>
+      <p:pic>
+        <p:nvPicPr>
+          <p:cNvPr id="6" name="Picture 5">
+            <a:extLst>
+              <a:ext uri="{FF2B5EF4-FFF2-40B4-BE49-F238E27FC236}">
+                <a16:creationId xmlns:a16="http://schemas.microsoft.com/office/drawing/2014/main" id="{D866DC20-4A53-4974-B0BF-803C8BA527DD}"/>
+              </a:ext>
+            </a:extLst>
+          </p:cNvPr>
+          <p:cNvPicPr>
+            <a:picLocks noChangeAspect="1"/>
+          </p:cNvPicPr>
+          <p:nvPr/>
+        </p:nvPicPr>
+        <p:blipFill>
+          <a:blip r:embed="rId3"/>
+          <a:stretch>
+            <a:fillRect/>
+          </a:stretch>
+        </p:blipFill>
+        <p:spPr>
+          <a:xfrm>
+            <a:off x="7499223" y="5438203"/>
+            <a:ext cx="1266825" cy="1038797"/>
+          </a:xfrm>
+          <a:prstGeom prst="rect">
+            <a:avLst/>
+          </a:prstGeom>
+        </p:spPr>
+      </p:pic>
     </p:spTree>
   </p:cSld>
   <p:clrMapOvr>
     <a:masterClrMapping/>
   </p:clrMapOvr>
-  <p:timing>
-    <p:tnLst>
-      <p:par>
-        <p:cTn id="1" dur="indefinite" restart="never" nodeType="tmRoot"/>
-      </p:par>
-    </p:tnLst>
-  </p:timing>
 </p:sld>
 </file>
 
@@ -5968,16 +6151,16 @@
           <a:lstStyle/>
           <a:p>
             <a:r>
-              <a:rPr lang="en-US" sz="3200" dirty="0" smtClean="0"/>
+              <a:rPr lang="en-US" sz="3200" dirty="0"/>
               <a:t>Transit Portion of the model: </a:t>
             </a:r>
           </a:p>
           <a:p>
             <a:r>
-              <a:rPr lang="en-US" sz="3200" dirty="0" err="1" smtClean="0"/>
+              <a:rPr lang="en-US" sz="3200" dirty="0" err="1"/>
               <a:t>AnyLogic</a:t>
             </a:r>
-            <a:endParaRPr lang="en-US" sz="3200" dirty="0" smtClean="0"/>
+            <a:endParaRPr lang="en-US" sz="3200" dirty="0"/>
           </a:p>
         </p:txBody>
       </p:sp>
@@ -6013,18 +6196,41 @@
           </a:ln>
         </p:spPr>
       </p:pic>
+      <p:pic>
+        <p:nvPicPr>
+          <p:cNvPr id="4" name="Picture 3">
+            <a:extLst>
+              <a:ext uri="{FF2B5EF4-FFF2-40B4-BE49-F238E27FC236}">
+                <a16:creationId xmlns:a16="http://schemas.microsoft.com/office/drawing/2014/main" id="{D55428DE-32DC-4713-A4B7-345070193D52}"/>
+              </a:ext>
+            </a:extLst>
+          </p:cNvPr>
+          <p:cNvPicPr>
+            <a:picLocks noChangeAspect="1"/>
+          </p:cNvPicPr>
+          <p:nvPr/>
+        </p:nvPicPr>
+        <p:blipFill>
+          <a:blip r:embed="rId3"/>
+          <a:stretch>
+            <a:fillRect/>
+          </a:stretch>
+        </p:blipFill>
+        <p:spPr>
+          <a:xfrm>
+            <a:off x="7595273" y="5408409"/>
+            <a:ext cx="1283551" cy="1052512"/>
+          </a:xfrm>
+          <a:prstGeom prst="rect">
+            <a:avLst/>
+          </a:prstGeom>
+        </p:spPr>
+      </p:pic>
     </p:spTree>
   </p:cSld>
   <p:clrMapOvr>
     <a:masterClrMapping/>
   </p:clrMapOvr>
-  <p:timing>
-    <p:tnLst>
-      <p:par>
-        <p:cTn id="1" dur="indefinite" restart="never" nodeType="tmRoot"/>
-      </p:par>
-    </p:tnLst>
-  </p:timing>
 </p:sld>
 </file>
 
